--- a/Velocidade da luz.pptx
+++ b/Velocidade da luz.pptx
@@ -104,6 +104,11 @@
       </a:defRPr>
     </a:lvl9pPr>
   </p:defaultTextStyle>
+  <p:extLst>
+    <p:ext uri="{EFAFB233-063F-42B5-8137-9DF3F51BA10A}">
+      <p15:sldGuideLst xmlns:p15="http://schemas.microsoft.com/office/powerpoint/2012/main"/>
+    </p:ext>
+  </p:extLst>
 </p:presentation>
 </file>
 
@@ -20607,7 +20612,12 @@
             <p:ph type="ctrTitle"/>
           </p:nvPr>
         </p:nvSpPr>
-        <p:spPr/>
+        <p:spPr>
+          <a:xfrm>
+            <a:off x="535577" y="4960137"/>
+            <a:ext cx="7772400" cy="1463040"/>
+          </a:xfrm>
+        </p:spPr>
         <p:txBody>
           <a:bodyPr/>
           <a:lstStyle/>
@@ -20633,13 +20643,21 @@
         <p:spPr/>
         <p:txBody>
           <a:bodyPr>
-            <a:normAutofit fontScale="70000" lnSpcReduction="20000"/>
+            <a:normAutofit fontScale="62500" lnSpcReduction="20000"/>
           </a:bodyPr>
           <a:lstStyle/>
           <a:p>
             <a:r>
+              <a:rPr lang="pt-BR" dirty="0" smtClean="0"/>
+              <a:t>Teste de </a:t>
+            </a:r>
+            <a:r>
+              <a:rPr lang="pt-BR" smtClean="0"/>
+              <a:t>alteração...Você </a:t>
+            </a:r>
+            <a:r>
               <a:rPr lang="pt-BR" dirty="0"/>
-              <a:t>Você conhece a velocidade da luz?</a:t>
+              <a:t>conhece a velocidade da luz?</a:t>
             </a:r>
           </a:p>
           <a:p>
